--- a/teach/fall_22/slides/ds_1.pptx
+++ b/teach/fall_22/slides/ds_1.pptx
@@ -204,7 +204,7 @@
           <a:p>
             <a:fld id="{3B15A1CC-ACDD-704E-8698-C6E1792162B7}" type="datetimeFigureOut">
               <a:rPr lang="en-US" smtClean="0"/>
-              <a:t>1/18/22</a:t>
+              <a:t>8/31/22</a:t>
             </a:fld>
             <a:endParaRPr lang="en-US"/>
           </a:p>
@@ -1110,7 +1110,7 @@
             <a:fld id="{B61BEF0D-F0BB-DE4B-95CE-6DB70DBA9567}" type="datetimeFigureOut">
               <a:rPr lang="en-US"/>
               <a:pPr/>
-              <a:t>1/18/22</a:t>
+              <a:t>8/31/22</a:t>
             </a:fld>
             <a:endParaRPr lang="en-US" dirty="0"/>
           </a:p>
@@ -1369,7 +1369,7 @@
             <a:fld id="{B61BEF0D-F0BB-DE4B-95CE-6DB70DBA9567}" type="datetimeFigureOut">
               <a:rPr lang="en-US"/>
               <a:pPr/>
-              <a:t>1/18/22</a:t>
+              <a:t>8/31/22</a:t>
             </a:fld>
             <a:endParaRPr lang="en-US" dirty="0"/>
           </a:p>
@@ -1601,7 +1601,7 @@
             <a:fld id="{B61BEF0D-F0BB-DE4B-95CE-6DB70DBA9567}" type="datetimeFigureOut">
               <a:rPr lang="en-US"/>
               <a:pPr/>
-              <a:t>1/18/22</a:t>
+              <a:t>8/31/22</a:t>
             </a:fld>
             <a:endParaRPr lang="en-US" dirty="0"/>
           </a:p>
@@ -1838,7 +1838,7 @@
             <a:fld id="{B61BEF0D-F0BB-DE4B-95CE-6DB70DBA9567}" type="datetimeFigureOut">
               <a:rPr lang="en-US"/>
               <a:pPr/>
-              <a:t>1/18/22</a:t>
+              <a:t>8/31/22</a:t>
             </a:fld>
             <a:endParaRPr lang="en-US" dirty="0"/>
           </a:p>
@@ -2142,7 +2142,7 @@
             <a:fld id="{B61BEF0D-F0BB-DE4B-95CE-6DB70DBA9567}" type="datetimeFigureOut">
               <a:rPr lang="en-US"/>
               <a:pPr/>
-              <a:t>1/18/22</a:t>
+              <a:t>8/31/22</a:t>
             </a:fld>
             <a:endParaRPr lang="en-US" dirty="0"/>
           </a:p>
@@ -2441,7 +2441,7 @@
             <a:fld id="{B61BEF0D-F0BB-DE4B-95CE-6DB70DBA9567}" type="datetimeFigureOut">
               <a:rPr lang="en-US"/>
               <a:pPr/>
-              <a:t>1/18/22</a:t>
+              <a:t>8/31/22</a:t>
             </a:fld>
             <a:endParaRPr lang="en-US" dirty="0"/>
           </a:p>
@@ -2860,7 +2860,7 @@
             <a:fld id="{B61BEF0D-F0BB-DE4B-95CE-6DB70DBA9567}" type="datetimeFigureOut">
               <a:rPr lang="en-US"/>
               <a:pPr/>
-              <a:t>1/18/22</a:t>
+              <a:t>8/31/22</a:t>
             </a:fld>
             <a:endParaRPr lang="en-US" dirty="0"/>
           </a:p>
@@ -3019,7 +3019,7 @@
             <a:fld id="{B61BEF0D-F0BB-DE4B-95CE-6DB70DBA9567}" type="datetimeFigureOut">
               <a:rPr lang="en-US"/>
               <a:pPr/>
-              <a:t>1/18/22</a:t>
+              <a:t>8/31/22</a:t>
             </a:fld>
             <a:endParaRPr lang="en-US" dirty="0"/>
           </a:p>
@@ -3111,7 +3111,7 @@
             <a:fld id="{B61BEF0D-F0BB-DE4B-95CE-6DB70DBA9567}" type="datetimeFigureOut">
               <a:rPr lang="en-US"/>
               <a:pPr/>
-              <a:t>1/18/22</a:t>
+              <a:t>8/31/22</a:t>
             </a:fld>
             <a:endParaRPr lang="en-US" dirty="0"/>
           </a:p>
@@ -3486,7 +3486,7 @@
             <a:fld id="{B61BEF0D-F0BB-DE4B-95CE-6DB70DBA9567}" type="datetimeFigureOut">
               <a:rPr lang="en-US"/>
               <a:pPr/>
-              <a:t>1/18/22</a:t>
+              <a:t>8/31/22</a:t>
             </a:fld>
             <a:endParaRPr lang="en-US" dirty="0"/>
           </a:p>
@@ -3771,7 +3771,7 @@
             <a:fld id="{B61BEF0D-F0BB-DE4B-95CE-6DB70DBA9567}" type="datetimeFigureOut">
               <a:rPr lang="en-US"/>
               <a:pPr/>
-              <a:t>1/18/22</a:t>
+              <a:t>8/31/22</a:t>
             </a:fld>
             <a:endParaRPr lang="en-US" dirty="0"/>
           </a:p>
@@ -3979,7 +3979,7 @@
             <a:fld id="{B61BEF0D-F0BB-DE4B-95CE-6DB70DBA9567}" type="datetimeFigureOut">
               <a:rPr lang="en-US"/>
               <a:pPr/>
-              <a:t>1/18/22</a:t>
+              <a:t>8/31/22</a:t>
             </a:fld>
             <a:endParaRPr lang="en-US" dirty="0"/>
           </a:p>
@@ -4738,13 +4738,19 @@
             </a:pPr>
             <a:r>
               <a:rPr lang="en-US" sz="2500" dirty="0"/>
-              <a:t>Outline: </a:t>
-            </a:r>
-            <a:r>
-              <a:rPr lang="en-US" sz="2500" dirty="0">
-                <a:hlinkClick r:id="rId3"/>
-              </a:rPr>
-              <a:t>https://beiyulincs.github.io/teach/spring_22/iot.html</a:t>
+              <a:t>Outline: https://</a:t>
+            </a:r>
+            <a:r>
+              <a:rPr lang="en-US" sz="2500" dirty="0" err="1"/>
+              <a:t>beiyulincs.github.io</a:t>
+            </a:r>
+            <a:r>
+              <a:rPr lang="en-US" sz="2500" dirty="0"/>
+              <a:t>/teach/fall_22/</a:t>
+            </a:r>
+            <a:r>
+              <a:rPr lang="en-US" sz="2500" dirty="0" err="1"/>
+              <a:t>dm.html</a:t>
             </a:r>
             <a:r>
               <a:rPr lang="en-US" sz="2500" dirty="0"/>
@@ -4757,17 +4763,15 @@
             </a:pPr>
             <a:r>
               <a:rPr lang="en-US" sz="2500" dirty="0"/>
-              <a:t>Syllabus: </a:t>
-            </a:r>
-            <a:r>
-              <a:rPr lang="en-US" sz="2500" dirty="0">
-                <a:hlinkClick r:id="rId4"/>
-              </a:rPr>
-              <a:t>https://beiyulincs.github.io/teach/spring_22/syllabus_cs_789.pdf</a:t>
+              <a:t>Syllabus: https://</a:t>
+            </a:r>
+            <a:r>
+              <a:rPr lang="en-US" sz="2500" dirty="0" err="1"/>
+              <a:t>beiyulincs.github.io</a:t>
             </a:r>
             <a:r>
               <a:rPr lang="en-US" sz="2500" dirty="0"/>
-              <a:t> </a:t>
+              <a:t>/teach/fall_22/syllabus_cs_458.pdf </a:t>
             </a:r>
           </a:p>
           <a:p>

--- a/teach/fall_22/slides/ds_1.pptx
+++ b/teach/fall_22/slides/ds_1.pptx
@@ -14,8 +14,8 @@
     <p:sldId id="296" r:id="rId5"/>
     <p:sldId id="313" r:id="rId6"/>
     <p:sldId id="310" r:id="rId7"/>
-    <p:sldId id="309" r:id="rId8"/>
-    <p:sldId id="314" r:id="rId9"/>
+    <p:sldId id="314" r:id="rId8"/>
+    <p:sldId id="309" r:id="rId9"/>
   </p:sldIdLst>
   <p:sldSz cx="12192000" cy="6858000"/>
   <p:notesSz cx="6858000" cy="9144000"/>
@@ -4599,7 +4599,7 @@
           <a:p>
             <a:r>
               <a:rPr lang="en-US" b="1" dirty="0"/>
-              <a:t>mining Internet of Things Data</a:t>
+              <a:t>Introduction to data mining</a:t>
             </a:r>
             <a:endParaRPr lang="en-US" dirty="0"/>
           </a:p>
@@ -4870,13 +4870,13 @@
           <a:p>
             <a:r>
               <a:rPr lang="en-US" sz="2400" b="1" dirty="0"/>
-              <a:t>What is IoT? </a:t>
+              <a:t>What is Data Mining? </a:t>
             </a:r>
           </a:p>
           <a:p>
             <a:r>
               <a:rPr lang="en-US" sz="2400" b="1" dirty="0"/>
-              <a:t>What is IoT Data? </a:t>
+              <a:t>Why data mining is important? </a:t>
             </a:r>
           </a:p>
           <a:p>
@@ -5560,41 +5560,43 @@
           </a:bodyPr>
           <a:lstStyle/>
           <a:p>
-            <a:r>
-              <a:rPr lang="en-US" sz="3500" dirty="0"/>
-              <a:t>Smart environment (home/building/city)</a:t>
-            </a:r>
-          </a:p>
-          <a:p>
-            <a:r>
-              <a:rPr lang="en-US" sz="3500" dirty="0"/>
-              <a:t>Smart healthcare</a:t>
-            </a:r>
-          </a:p>
-          <a:p>
-            <a:r>
-              <a:rPr lang="en-US" sz="3500" dirty="0"/>
-              <a:t>Agriculture and climate</a:t>
-            </a:r>
-          </a:p>
-          <a:p>
-            <a:r>
-              <a:rPr lang="en-US" sz="3500" dirty="0"/>
-              <a:t>Transportation</a:t>
-            </a:r>
-          </a:p>
-          <a:p>
-            <a:r>
-              <a:rPr lang="en-US" sz="3500" dirty="0"/>
-              <a:t>Sports and other industry</a:t>
-            </a:r>
+            <a:pPr lvl="1"/>
+            <a:r>
+              <a:rPr lang="en-US" sz="3300" dirty="0"/>
+              <a:t>Data Mining Algorithms: association rules</a:t>
+            </a:r>
+          </a:p>
+          <a:p>
+            <a:pPr lvl="1"/>
+            <a:r>
+              <a:rPr lang="en-US" sz="3300" dirty="0"/>
+              <a:t>Data Mining Algorithms: categorization</a:t>
+            </a:r>
+          </a:p>
+          <a:p>
+            <a:pPr lvl="1"/>
+            <a:r>
+              <a:rPr lang="en-US" sz="3300" dirty="0"/>
+              <a:t>Data Mining Algorithms: clustering</a:t>
+            </a:r>
+          </a:p>
+          <a:p>
+            <a:pPr lvl="1"/>
+            <a:r>
+              <a:rPr lang="en-US" sz="3300" dirty="0"/>
+              <a:t>IoT data</a:t>
+            </a:r>
+          </a:p>
+          <a:p>
+            <a:pPr lvl="1"/>
+            <a:endParaRPr lang="en-US" sz="3300" dirty="0"/>
           </a:p>
         </p:txBody>
       </p:sp>
     </p:spTree>
     <p:extLst>
       <p:ext uri="{BB962C8B-B14F-4D97-AF65-F5344CB8AC3E}">
-        <p14:creationId xmlns:p14="http://schemas.microsoft.com/office/powerpoint/2010/main" val="578767179"/>
+        <p14:creationId xmlns:p14="http://schemas.microsoft.com/office/powerpoint/2010/main" val="2277155192"/>
       </p:ext>
     </p:extLst>
   </p:cSld>
@@ -5686,7 +5688,7 @@
             <a:pPr lvl="1"/>
             <a:r>
               <a:rPr lang="en-US" sz="3300" dirty="0"/>
-              <a:t>Data properties</a:t>
+              <a:t>Motivation and terminology </a:t>
             </a:r>
           </a:p>
           <a:p>
@@ -5700,26 +5702,22 @@
             <a:pPr lvl="1"/>
             <a:r>
               <a:rPr lang="en-US" sz="3300" dirty="0"/>
-              <a:t>Coding (python)</a:t>
+              <a:t>Experiments with Weka</a:t>
             </a:r>
           </a:p>
           <a:p>
             <a:pPr lvl="1"/>
             <a:r>
               <a:rPr lang="en-US" sz="3300" dirty="0"/>
-              <a:t>Guest lecture</a:t>
-            </a:r>
-          </a:p>
-          <a:p>
-            <a:pPr lvl="1"/>
-            <a:endParaRPr lang="en-US" sz="3300" dirty="0"/>
+              <a:t>Guest lectures</a:t>
+            </a:r>
           </a:p>
         </p:txBody>
       </p:sp>
     </p:spTree>
     <p:extLst>
       <p:ext uri="{BB962C8B-B14F-4D97-AF65-F5344CB8AC3E}">
-        <p14:creationId xmlns:p14="http://schemas.microsoft.com/office/powerpoint/2010/main" val="2277155192"/>
+        <p14:creationId xmlns:p14="http://schemas.microsoft.com/office/powerpoint/2010/main" val="578767179"/>
       </p:ext>
     </p:extLst>
   </p:cSld>
